--- a/Final Project/Official Final Project Documents/BIS 15L Presentation.pptx
+++ b/Final Project/Official Final Project Documents/BIS 15L Presentation.pptx
@@ -117,6 +117,11 @@
       </a:defRPr>
     </a:lvl9pPr>
   </p:defaultTextStyle>
+  <p:extLst>
+    <p:ext uri="{EFAFB233-063F-42B5-8137-9DF3F51BA10A}">
+      <p15:sldGuideLst xmlns:p15="http://schemas.microsoft.com/office/powerpoint/2012/main"/>
+    </p:ext>
+  </p:extLst>
 </p:presentation>
 </file>
 
@@ -2753,7 +2758,7 @@
           <a:p>
             <a:fld id="{17503FA7-4A70-AA4E-AB8A-7E35A76C75A8}" type="datetimeFigureOut">
               <a:rPr lang="en-US" smtClean="0"/>
-              <a:t>3/7/21</a:t>
+              <a:t>3/8/21</a:t>
             </a:fld>
             <a:endParaRPr lang="en-US"/>
           </a:p>
@@ -3335,7 +3340,7 @@
           <a:p>
             <a:fld id="{2C704F81-8BE2-3D43-90F4-8BEB214763C1}" type="datetimeFigureOut">
               <a:rPr lang="en-US" smtClean="0"/>
-              <a:t>3/7/21</a:t>
+              <a:t>3/8/21</a:t>
             </a:fld>
             <a:endParaRPr lang="en-US"/>
           </a:p>
@@ -3533,7 +3538,7 @@
           <a:p>
             <a:fld id="{2C704F81-8BE2-3D43-90F4-8BEB214763C1}" type="datetimeFigureOut">
               <a:rPr lang="en-US" smtClean="0"/>
-              <a:t>3/7/21</a:t>
+              <a:t>3/8/21</a:t>
             </a:fld>
             <a:endParaRPr lang="en-US"/>
           </a:p>
@@ -3741,7 +3746,7 @@
           <a:p>
             <a:fld id="{2C704F81-8BE2-3D43-90F4-8BEB214763C1}" type="datetimeFigureOut">
               <a:rPr lang="en-US" smtClean="0"/>
-              <a:t>3/7/21</a:t>
+              <a:t>3/8/21</a:t>
             </a:fld>
             <a:endParaRPr lang="en-US"/>
           </a:p>
@@ -3939,7 +3944,7 @@
           <a:p>
             <a:fld id="{2C704F81-8BE2-3D43-90F4-8BEB214763C1}" type="datetimeFigureOut">
               <a:rPr lang="en-US" smtClean="0"/>
-              <a:t>3/7/21</a:t>
+              <a:t>3/8/21</a:t>
             </a:fld>
             <a:endParaRPr lang="en-US"/>
           </a:p>
@@ -4214,7 +4219,7 @@
           <a:p>
             <a:fld id="{2C704F81-8BE2-3D43-90F4-8BEB214763C1}" type="datetimeFigureOut">
               <a:rPr lang="en-US" smtClean="0"/>
-              <a:t>3/7/21</a:t>
+              <a:t>3/8/21</a:t>
             </a:fld>
             <a:endParaRPr lang="en-US"/>
           </a:p>
@@ -4479,7 +4484,7 @@
           <a:p>
             <a:fld id="{2C704F81-8BE2-3D43-90F4-8BEB214763C1}" type="datetimeFigureOut">
               <a:rPr lang="en-US" smtClean="0"/>
-              <a:t>3/7/21</a:t>
+              <a:t>3/8/21</a:t>
             </a:fld>
             <a:endParaRPr lang="en-US"/>
           </a:p>
@@ -4891,7 +4896,7 @@
           <a:p>
             <a:fld id="{2C704F81-8BE2-3D43-90F4-8BEB214763C1}" type="datetimeFigureOut">
               <a:rPr lang="en-US" smtClean="0"/>
-              <a:t>3/7/21</a:t>
+              <a:t>3/8/21</a:t>
             </a:fld>
             <a:endParaRPr lang="en-US"/>
           </a:p>
@@ -5032,7 +5037,7 @@
           <a:p>
             <a:fld id="{2C704F81-8BE2-3D43-90F4-8BEB214763C1}" type="datetimeFigureOut">
               <a:rPr lang="en-US" smtClean="0"/>
-              <a:t>3/7/21</a:t>
+              <a:t>3/8/21</a:t>
             </a:fld>
             <a:endParaRPr lang="en-US"/>
           </a:p>
@@ -5145,7 +5150,7 @@
           <a:p>
             <a:fld id="{2C704F81-8BE2-3D43-90F4-8BEB214763C1}" type="datetimeFigureOut">
               <a:rPr lang="en-US" smtClean="0"/>
-              <a:t>3/7/21</a:t>
+              <a:t>3/8/21</a:t>
             </a:fld>
             <a:endParaRPr lang="en-US"/>
           </a:p>
@@ -5456,7 +5461,7 @@
           <a:p>
             <a:fld id="{2C704F81-8BE2-3D43-90F4-8BEB214763C1}" type="datetimeFigureOut">
               <a:rPr lang="en-US" smtClean="0"/>
-              <a:t>3/7/21</a:t>
+              <a:t>3/8/21</a:t>
             </a:fld>
             <a:endParaRPr lang="en-US"/>
           </a:p>
@@ -5744,7 +5749,7 @@
           <a:p>
             <a:fld id="{2C704F81-8BE2-3D43-90F4-8BEB214763C1}" type="datetimeFigureOut">
               <a:rPr lang="en-US" smtClean="0"/>
-              <a:t>3/7/21</a:t>
+              <a:t>3/8/21</a:t>
             </a:fld>
             <a:endParaRPr lang="en-US"/>
           </a:p>
@@ -5985,7 +5990,7 @@
           <a:p>
             <a:fld id="{2C704F81-8BE2-3D43-90F4-8BEB214763C1}" type="datetimeFigureOut">
               <a:rPr lang="en-US" smtClean="0"/>
-              <a:t>3/7/21</a:t>
+              <a:t>3/8/21</a:t>
             </a:fld>
             <a:endParaRPr lang="en-US"/>
           </a:p>
@@ -7260,7 +7265,15 @@
           <a:p>
             <a:r>
               <a:rPr lang="en-US" dirty="0"/>
-              <a:t>Characterized North Carolina sea turtle populations from 1995 to 2015. </a:t>
+              <a:t>Characterized North Carolina sea turtle populations </a:t>
+            </a:r>
+            <a:r>
+              <a:rPr lang="en-US"/>
+              <a:t>from 1988 </a:t>
+            </a:r>
+            <a:r>
+              <a:rPr lang="en-US" dirty="0"/>
+              <a:t>to 2015. </a:t>
             </a:r>
           </a:p>
         </p:txBody>

--- a/Final Project/Official Final Project Documents/BIS 15L Presentation.pptx
+++ b/Final Project/Official Final Project Documents/BIS 15L Presentation.pptx
@@ -117,6 +117,11 @@
       </a:defRPr>
     </a:lvl9pPr>
   </p:defaultTextStyle>
+  <p:extLst>
+    <p:ext uri="{EFAFB233-063F-42B5-8137-9DF3F51BA10A}">
+      <p15:sldGuideLst xmlns:p15="http://schemas.microsoft.com/office/powerpoint/2012/main"/>
+    </p:ext>
+  </p:extLst>
 </p:presentation>
 </file>
 
@@ -1121,8 +1126,8 @@
   <dgm:cxnLst>
     <dgm:cxn modelId="{A6807F1C-EE52-4DDA-AA86-720867A8C0C5}" srcId="{03C0938F-1BB3-4D82-8087-664DDA219AE1}" destId="{317996FF-C077-4853-BF74-4191511BC102}" srcOrd="3" destOrd="0" parTransId="{21A77E41-1EC3-4180-BB29-094C671B3246}" sibTransId="{63D7CB73-B588-4493-A621-364941D792C0}"/>
     <dgm:cxn modelId="{6880CD25-4D95-F44C-B5EC-DF5FD1E175F6}" type="presOf" srcId="{317996FF-C077-4853-BF74-4191511BC102}" destId="{7397C0E2-ACD5-7647-B9FA-D2FCB5FEBC3A}" srcOrd="0" destOrd="0" presId="urn:microsoft.com/office/officeart/2005/8/layout/vList2"/>
+    <dgm:cxn modelId="{04124664-08C5-4CE2-82A4-AEBC395EBA14}" srcId="{03C0938F-1BB3-4D82-8087-664DDA219AE1}" destId="{8150F493-9C2A-4200-82BE-A99BE1BFE34B}" srcOrd="0" destOrd="0" parTransId="{9B39EB46-6705-48CB-BD52-72AEF29DBAC6}" sibTransId="{1079DF52-66A0-430E-A460-64D8670A3666}"/>
     <dgm:cxn modelId="{40DFF14C-6507-D340-9E83-CC737F6195D0}" type="presOf" srcId="{8150F493-9C2A-4200-82BE-A99BE1BFE34B}" destId="{46EBEF0F-5CC2-B643-B37A-C2BA6C8A5508}" srcOrd="0" destOrd="0" presId="urn:microsoft.com/office/officeart/2005/8/layout/vList2"/>
-    <dgm:cxn modelId="{04124664-08C5-4CE2-82A4-AEBC395EBA14}" srcId="{03C0938F-1BB3-4D82-8087-664DDA219AE1}" destId="{8150F493-9C2A-4200-82BE-A99BE1BFE34B}" srcOrd="0" destOrd="0" parTransId="{9B39EB46-6705-48CB-BD52-72AEF29DBAC6}" sibTransId="{1079DF52-66A0-430E-A460-64D8670A3666}"/>
     <dgm:cxn modelId="{C282428A-B800-C040-BBA1-17F0CF23591A}" type="presOf" srcId="{03C0938F-1BB3-4D82-8087-664DDA219AE1}" destId="{7BE9684B-0AF0-1449-BEDB-D9324F9D6C4B}" srcOrd="0" destOrd="0" presId="urn:microsoft.com/office/officeart/2005/8/layout/vList2"/>
     <dgm:cxn modelId="{16EC58A0-0AA6-A64E-BF0C-97A0E7EDE7B7}" type="presOf" srcId="{F197CED6-FFF3-4C19-B84F-12C2A80D5BEF}" destId="{D80E6B06-092B-FF4B-BF95-634BA2C6A9B0}" srcOrd="0" destOrd="0" presId="urn:microsoft.com/office/officeart/2005/8/layout/vList2"/>
     <dgm:cxn modelId="{7B8F32B3-1F0D-5843-A517-B42A6FECECB9}" type="presOf" srcId="{11287CF6-F9E2-408C-B608-3D35CA85BC2F}" destId="{0C590404-1797-F24B-8C94-A8E9F0862A63}" srcOrd="0" destOrd="0" presId="urn:microsoft.com/office/officeart/2005/8/layout/vList2"/>
@@ -2753,7 +2758,7 @@
           <a:p>
             <a:fld id="{17503FA7-4A70-AA4E-AB8A-7E35A76C75A8}" type="datetimeFigureOut">
               <a:rPr lang="en-US" smtClean="0"/>
-              <a:t>3/7/21</a:t>
+              <a:t>3/8/2021</a:t>
             </a:fld>
             <a:endParaRPr lang="en-US"/>
           </a:p>
@@ -3335,7 +3340,7 @@
           <a:p>
             <a:fld id="{2C704F81-8BE2-3D43-90F4-8BEB214763C1}" type="datetimeFigureOut">
               <a:rPr lang="en-US" smtClean="0"/>
-              <a:t>3/7/21</a:t>
+              <a:t>3/8/2021</a:t>
             </a:fld>
             <a:endParaRPr lang="en-US"/>
           </a:p>
@@ -3533,7 +3538,7 @@
           <a:p>
             <a:fld id="{2C704F81-8BE2-3D43-90F4-8BEB214763C1}" type="datetimeFigureOut">
               <a:rPr lang="en-US" smtClean="0"/>
-              <a:t>3/7/21</a:t>
+              <a:t>3/8/2021</a:t>
             </a:fld>
             <a:endParaRPr lang="en-US"/>
           </a:p>
@@ -3741,7 +3746,7 @@
           <a:p>
             <a:fld id="{2C704F81-8BE2-3D43-90F4-8BEB214763C1}" type="datetimeFigureOut">
               <a:rPr lang="en-US" smtClean="0"/>
-              <a:t>3/7/21</a:t>
+              <a:t>3/8/2021</a:t>
             </a:fld>
             <a:endParaRPr lang="en-US"/>
           </a:p>
@@ -3939,7 +3944,7 @@
           <a:p>
             <a:fld id="{2C704F81-8BE2-3D43-90F4-8BEB214763C1}" type="datetimeFigureOut">
               <a:rPr lang="en-US" smtClean="0"/>
-              <a:t>3/7/21</a:t>
+              <a:t>3/8/2021</a:t>
             </a:fld>
             <a:endParaRPr lang="en-US"/>
           </a:p>
@@ -4214,7 +4219,7 @@
           <a:p>
             <a:fld id="{2C704F81-8BE2-3D43-90F4-8BEB214763C1}" type="datetimeFigureOut">
               <a:rPr lang="en-US" smtClean="0"/>
-              <a:t>3/7/21</a:t>
+              <a:t>3/8/2021</a:t>
             </a:fld>
             <a:endParaRPr lang="en-US"/>
           </a:p>
@@ -4479,7 +4484,7 @@
           <a:p>
             <a:fld id="{2C704F81-8BE2-3D43-90F4-8BEB214763C1}" type="datetimeFigureOut">
               <a:rPr lang="en-US" smtClean="0"/>
-              <a:t>3/7/21</a:t>
+              <a:t>3/8/2021</a:t>
             </a:fld>
             <a:endParaRPr lang="en-US"/>
           </a:p>
@@ -4891,7 +4896,7 @@
           <a:p>
             <a:fld id="{2C704F81-8BE2-3D43-90F4-8BEB214763C1}" type="datetimeFigureOut">
               <a:rPr lang="en-US" smtClean="0"/>
-              <a:t>3/7/21</a:t>
+              <a:t>3/8/2021</a:t>
             </a:fld>
             <a:endParaRPr lang="en-US"/>
           </a:p>
@@ -5032,7 +5037,7 @@
           <a:p>
             <a:fld id="{2C704F81-8BE2-3D43-90F4-8BEB214763C1}" type="datetimeFigureOut">
               <a:rPr lang="en-US" smtClean="0"/>
-              <a:t>3/7/21</a:t>
+              <a:t>3/8/2021</a:t>
             </a:fld>
             <a:endParaRPr lang="en-US"/>
           </a:p>
@@ -5145,7 +5150,7 @@
           <a:p>
             <a:fld id="{2C704F81-8BE2-3D43-90F4-8BEB214763C1}" type="datetimeFigureOut">
               <a:rPr lang="en-US" smtClean="0"/>
-              <a:t>3/7/21</a:t>
+              <a:t>3/8/2021</a:t>
             </a:fld>
             <a:endParaRPr lang="en-US"/>
           </a:p>
@@ -5456,7 +5461,7 @@
           <a:p>
             <a:fld id="{2C704F81-8BE2-3D43-90F4-8BEB214763C1}" type="datetimeFigureOut">
               <a:rPr lang="en-US" smtClean="0"/>
-              <a:t>3/7/21</a:t>
+              <a:t>3/8/2021</a:t>
             </a:fld>
             <a:endParaRPr lang="en-US"/>
           </a:p>
@@ -5744,7 +5749,7 @@
           <a:p>
             <a:fld id="{2C704F81-8BE2-3D43-90F4-8BEB214763C1}" type="datetimeFigureOut">
               <a:rPr lang="en-US" smtClean="0"/>
-              <a:t>3/7/21</a:t>
+              <a:t>3/8/2021</a:t>
             </a:fld>
             <a:endParaRPr lang="en-US"/>
           </a:p>
@@ -5985,7 +5990,7 @@
           <a:p>
             <a:fld id="{2C704F81-8BE2-3D43-90F4-8BEB214763C1}" type="datetimeFigureOut">
               <a:rPr lang="en-US" smtClean="0"/>
-              <a:t>3/7/21</a:t>
+              <a:t>3/8/2021</a:t>
             </a:fld>
             <a:endParaRPr lang="en-US"/>
           </a:p>
@@ -7260,7 +7265,15 @@
           <a:p>
             <a:r>
               <a:rPr lang="en-US" dirty="0"/>
-              <a:t>Characterized North Carolina sea turtle populations from 1995 to 2015. </a:t>
+              <a:t>Characterized North Carolina sea turtle populations </a:t>
+            </a:r>
+            <a:r>
+              <a:rPr lang="en-US"/>
+              <a:t>from 1988 </a:t>
+            </a:r>
+            <a:r>
+              <a:rPr lang="en-US" dirty="0"/>
+              <a:t>to 2015. </a:t>
             </a:r>
           </a:p>
         </p:txBody>
